--- a/workspace/Automation of Configuration Management.pptx
+++ b/workspace/Automation of Configuration Management.pptx
@@ -207,7 +207,7 @@
           <a:p>
             <a:fld id="{53936CC2-64E5-4D2B-938A-7404F49F8110}" type="datetimeFigureOut">
               <a:rPr lang="en-US" smtClean="0"/>
-              <a:t>6/20/2017</a:t>
+              <a:t>6/28/2017</a:t>
             </a:fld>
             <a:endParaRPr lang="en-US"/>
           </a:p>
@@ -1781,7 +1781,7 @@
           <a:p>
             <a:fld id="{56808593-C5E8-4AC6-BD3A-7926DCC479F8}" type="datetime1">
               <a:rPr lang="en-US" smtClean="0"/>
-              <a:t>6/20/2017</a:t>
+              <a:t>6/28/2017</a:t>
             </a:fld>
             <a:endParaRPr lang="en-US" dirty="0"/>
           </a:p>
@@ -2014,7 +2014,7 @@
           <a:p>
             <a:fld id="{F19FDDEE-C46B-4029-83A3-A003337692D1}" type="datetime1">
               <a:rPr lang="en-US" smtClean="0"/>
-              <a:t>6/20/2017</a:t>
+              <a:t>6/28/2017</a:t>
             </a:fld>
             <a:endParaRPr lang="en-US" dirty="0"/>
           </a:p>
@@ -2265,7 +2265,7 @@
           <a:p>
             <a:fld id="{D3C65177-9741-48F8-B403-2BD3FD2F5490}" type="datetime1">
               <a:rPr lang="en-US" smtClean="0"/>
-              <a:t>6/20/2017</a:t>
+              <a:t>6/28/2017</a:t>
             </a:fld>
             <a:endParaRPr lang="en-US" dirty="0"/>
           </a:p>
@@ -2430,7 +2430,7 @@
           <a:p>
             <a:fld id="{D917AA14-4148-42AA-A155-D4793BC21733}" type="datetime1">
               <a:rPr lang="en-US" smtClean="0"/>
-              <a:t>6/20/2017</a:t>
+              <a:t>6/28/2017</a:t>
             </a:fld>
             <a:endParaRPr lang="en-US" dirty="0"/>
           </a:p>
@@ -2768,7 +2768,7 @@
           <a:p>
             <a:fld id="{D08BC17B-230E-4CBB-9E68-743F7009A140}" type="datetime1">
               <a:rPr lang="en-US" smtClean="0"/>
-              <a:t>6/20/2017</a:t>
+              <a:t>6/28/2017</a:t>
             </a:fld>
             <a:endParaRPr lang="en-US" dirty="0"/>
           </a:p>
@@ -3068,7 +3068,7 @@
           <a:p>
             <a:fld id="{8D3CDB4E-AF1A-4A6A-A6DA-ABEF6CA16CEE}" type="datetime1">
               <a:rPr lang="en-US" smtClean="0"/>
-              <a:t>6/20/2017</a:t>
+              <a:t>6/28/2017</a:t>
             </a:fld>
             <a:endParaRPr lang="en-US" dirty="0"/>
           </a:p>
@@ -3442,7 +3442,7 @@
           <a:p>
             <a:fld id="{97C2D434-293D-4ED6-912C-696258736D09}" type="datetime1">
               <a:rPr lang="en-US" smtClean="0"/>
-              <a:t>6/20/2017</a:t>
+              <a:t>6/28/2017</a:t>
             </a:fld>
             <a:endParaRPr lang="en-US" dirty="0"/>
           </a:p>
@@ -3555,7 +3555,7 @@
           <a:p>
             <a:fld id="{B2373685-7D69-4C07-9DAF-20BE219EA408}" type="datetime1">
               <a:rPr lang="en-US" smtClean="0"/>
-              <a:t>6/20/2017</a:t>
+              <a:t>6/28/2017</a:t>
             </a:fld>
             <a:endParaRPr lang="en-US" dirty="0"/>
           </a:p>
@@ -3721,7 +3721,7 @@
           <a:p>
             <a:fld id="{57B42072-EE78-4EE8-BFE0-5ADD938EBF93}" type="datetime1">
               <a:rPr lang="en-US" smtClean="0"/>
-              <a:t>6/20/2017</a:t>
+              <a:t>6/28/2017</a:t>
             </a:fld>
             <a:endParaRPr lang="en-US" dirty="0"/>
           </a:p>
@@ -4101,7 +4101,7 @@
           <a:p>
             <a:fld id="{BC82DA3D-4D3B-43EC-BF38-699834366E05}" type="datetime1">
               <a:rPr lang="en-US" smtClean="0"/>
-              <a:t>6/20/2017</a:t>
+              <a:t>6/28/2017</a:t>
             </a:fld>
             <a:endParaRPr lang="en-US" dirty="0"/>
           </a:p>
@@ -4474,7 +4474,7 @@
           <a:p>
             <a:fld id="{9E30A2BE-E354-4123-A20D-400927030A36}" type="datetime1">
               <a:rPr lang="en-US" smtClean="0"/>
-              <a:t>6/20/2017</a:t>
+              <a:t>6/28/2017</a:t>
             </a:fld>
             <a:endParaRPr lang="en-US" dirty="0"/>
           </a:p>
@@ -4756,7 +4756,7 @@
           <a:p>
             <a:fld id="{DF0CEDA0-AA41-483D-AAFD-A0C76F6C6139}" type="datetime1">
               <a:rPr lang="en-US" smtClean="0"/>
-              <a:t>6/20/2017</a:t>
+              <a:t>6/28/2017</a:t>
             </a:fld>
             <a:endParaRPr lang="en-US" dirty="0"/>
           </a:p>
@@ -7716,6 +7716,60 @@
           </a:extLst>
         </p:spPr>
       </p:pic>
+      <p:pic>
+        <p:nvPicPr>
+          <p:cNvPr id="1026" name="Picture 2"/>
+          <p:cNvPicPr>
+            <a:picLocks noChangeAspect="1" noChangeArrowheads="1"/>
+          </p:cNvPicPr>
+          <p:nvPr/>
+        </p:nvPicPr>
+        <p:blipFill>
+          <a:blip r:embed="rId4">
+            <a:extLst>
+              <a:ext uri="{28A0092B-C50C-407E-A947-70E740481C1C}">
+                <a14:useLocalDpi xmlns:a14="http://schemas.microsoft.com/office/drawing/2010/main" val="0"/>
+              </a:ext>
+            </a:extLst>
+          </a:blip>
+          <a:srcRect/>
+          <a:stretch>
+            <a:fillRect/>
+          </a:stretch>
+        </p:blipFill>
+        <p:spPr bwMode="auto">
+          <a:xfrm>
+            <a:off x="7064384" y="2039681"/>
+            <a:ext cx="5034472" cy="3857625"/>
+          </a:xfrm>
+          <a:prstGeom prst="rect">
+            <a:avLst/>
+          </a:prstGeom>
+          <a:noFill/>
+          <a:ln>
+            <a:noFill/>
+          </a:ln>
+          <a:extLst>
+            <a:ext uri="{909E8E84-426E-40DD-AFC4-6F175D3DCCD1}">
+              <a14:hiddenFill xmlns:a14="http://schemas.microsoft.com/office/drawing/2010/main">
+                <a:solidFill>
+                  <a:schemeClr val="accent1"/>
+                </a:solidFill>
+              </a14:hiddenFill>
+            </a:ext>
+            <a:ext uri="{91240B29-F687-4F45-9708-019B960494DF}">
+              <a14:hiddenLine xmlns:a14="http://schemas.microsoft.com/office/drawing/2010/main" w="9525">
+                <a:solidFill>
+                  <a:schemeClr val="tx1"/>
+                </a:solidFill>
+                <a:miter lim="800000"/>
+                <a:headEnd/>
+                <a:tailEnd/>
+              </a14:hiddenLine>
+            </a:ext>
+          </a:extLst>
+        </p:spPr>
+      </p:pic>
     </p:spTree>
     <p:extLst>
       <p:ext uri="{BB962C8B-B14F-4D97-AF65-F5344CB8AC3E}">
@@ -8349,7 +8403,7 @@
   <a:extraClrSchemeLst/>
   <a:extLst>
     <a:ext uri="{05A4C25C-085E-4340-85A3-A5531E510DB2}">
-      <thm15:themeFamily xmlns="" xmlns:thm15="http://schemas.microsoft.com/office/thememl/2012/main" name="Retrospect" id="{5F128B03-DCCA-4EEB-AB3B-CF2899314A46}" vid="{9CC26709-368C-4D72-9060-94E5B3FF3CD6}"/>
+      <thm15:themeFamily xmlns:thm15="http://schemas.microsoft.com/office/thememl/2012/main" xmlns="" name="Retrospect" id="{5F128B03-DCCA-4EEB-AB3B-CF2899314A46}" vid="{9CC26709-368C-4D72-9060-94E5B3FF3CD6}"/>
     </a:ext>
   </a:extLst>
 </a:theme>
@@ -8610,7 +8664,7 @@
   <a:extraClrSchemeLst/>
   <a:extLst>
     <a:ext uri="{05A4C25C-085E-4340-85A3-A5531E510DB2}">
-      <thm15:themeFamily xmlns="" xmlns:thm15="http://schemas.microsoft.com/office/thememl/2012/main" name="Office Theme" id="{62F939B6-93AF-4DB8-9C6B-D6C7DFDC589F}" vid="{4A3C46E8-61CC-4603-A589-7422A47A8E4A}"/>
+      <thm15:themeFamily xmlns:thm15="http://schemas.microsoft.com/office/thememl/2012/main" xmlns="" name="Office Theme" id="{62F939B6-93AF-4DB8-9C6B-D6C7DFDC589F}" vid="{4A3C46E8-61CC-4603-A589-7422A47A8E4A}"/>
     </a:ext>
   </a:extLst>
 </a:theme>
